--- a/TRINITY_Hack the Future .pptx
+++ b/TRINITY_Hack the Future .pptx
@@ -18,7 +18,7 @@
     <p:sldId id="492" r:id="rId9"/>
     <p:sldId id="488" r:id="rId10"/>
     <p:sldId id="489" r:id="rId11"/>
-    <p:sldId id="490" r:id="rId12"/>
+    <p:sldId id="257" r:id="rId12"/>
     <p:sldId id="481" r:id="rId13"/>
   </p:sldIdLst>
   <p:sldSz cx="9144000" cy="5143500" type="screen16x9"/>
@@ -1167,7 +1167,7 @@
           <a:p>
             <a:fld id="{C764DE79-268F-4C1A-8933-263129D2AF90}" type="datetimeFigureOut">
               <a:rPr lang="en-US" dirty="0"/>
-              <a:t>9/6/2020</a:t>
+              <a:t>9/7/2020</a:t>
             </a:fld>
             <a:endParaRPr lang="en-US" dirty="0"/>
           </a:p>
@@ -1263,7 +1263,7 @@
           <a:p>
             <a:fld id="{C764DE79-268F-4C1A-8933-263129D2AF90}" type="datetimeFigureOut">
               <a:rPr lang="en-US" dirty="0"/>
-              <a:t>9/6/2020</a:t>
+              <a:t>9/7/2020</a:t>
             </a:fld>
             <a:endParaRPr lang="en-US" dirty="0"/>
           </a:p>
@@ -1541,7 +1541,7 @@
           <a:p>
             <a:fld id="{C764DE79-268F-4C1A-8933-263129D2AF90}" type="datetimeFigureOut">
               <a:rPr lang="en-US" dirty="0"/>
-              <a:t>9/6/2020</a:t>
+              <a:t>9/7/2020</a:t>
             </a:fld>
             <a:endParaRPr lang="en-US" dirty="0"/>
           </a:p>
@@ -1799,7 +1799,7 @@
           <a:p>
             <a:fld id="{C764DE79-268F-4C1A-8933-263129D2AF90}" type="datetimeFigureOut">
               <a:rPr lang="en-US" dirty="0"/>
-              <a:t>9/6/2020</a:t>
+              <a:t>9/7/2020</a:t>
             </a:fld>
             <a:endParaRPr lang="en-US" dirty="0"/>
           </a:p>
@@ -1970,7 +1970,7 @@
           <a:p>
             <a:fld id="{C764DE79-268F-4C1A-8933-263129D2AF90}" type="datetimeFigureOut">
               <a:rPr lang="en-US" dirty="0"/>
-              <a:t>9/6/2020</a:t>
+              <a:t>9/7/2020</a:t>
             </a:fld>
             <a:endParaRPr lang="en-US" dirty="0"/>
           </a:p>
@@ -2151,7 +2151,7 @@
           <a:p>
             <a:fld id="{C764DE79-268F-4C1A-8933-263129D2AF90}" type="datetimeFigureOut">
               <a:rPr lang="en-US" dirty="0"/>
-              <a:t>9/6/2020</a:t>
+              <a:t>9/7/2020</a:t>
             </a:fld>
             <a:endParaRPr lang="en-US" dirty="0"/>
           </a:p>
@@ -2978,7 +2978,7 @@
           <a:p>
             <a:fld id="{C764DE79-268F-4C1A-8933-263129D2AF90}" type="datetimeFigureOut">
               <a:rPr lang="en-US" dirty="0"/>
-              <a:t>9/6/2020</a:t>
+              <a:t>9/7/2020</a:t>
             </a:fld>
             <a:endParaRPr lang="en-US" dirty="0"/>
           </a:p>
@@ -3149,7 +3149,7 @@
           <a:p>
             <a:fld id="{C764DE79-268F-4C1A-8933-263129D2AF90}" type="datetimeFigureOut">
               <a:rPr lang="en-US" dirty="0"/>
-              <a:t>9/6/2020</a:t>
+              <a:t>9/7/2020</a:t>
             </a:fld>
             <a:endParaRPr lang="en-US" dirty="0"/>
           </a:p>
@@ -3396,7 +3396,7 @@
           <a:p>
             <a:fld id="{C764DE79-268F-4C1A-8933-263129D2AF90}" type="datetimeFigureOut">
               <a:rPr lang="en-US" dirty="0"/>
-              <a:t>9/6/2020</a:t>
+              <a:t>9/7/2020</a:t>
             </a:fld>
             <a:endParaRPr lang="en-US" dirty="0"/>
           </a:p>
@@ -3629,7 +3629,7 @@
           <a:p>
             <a:fld id="{C764DE79-268F-4C1A-8933-263129D2AF90}" type="datetimeFigureOut">
               <a:rPr lang="en-US" dirty="0"/>
-              <a:t>9/6/2020</a:t>
+              <a:t>9/7/2020</a:t>
             </a:fld>
             <a:endParaRPr lang="en-US" dirty="0"/>
           </a:p>
@@ -3997,7 +3997,7 @@
           <a:p>
             <a:fld id="{C764DE79-268F-4C1A-8933-263129D2AF90}" type="datetimeFigureOut">
               <a:rPr lang="en-US" dirty="0"/>
-              <a:t>9/6/2020</a:t>
+              <a:t>9/7/2020</a:t>
             </a:fld>
             <a:endParaRPr lang="en-US" dirty="0"/>
           </a:p>
@@ -18688,7 +18688,7 @@
           <a:p>
             <a:fld id="{C764DE79-268F-4C1A-8933-263129D2AF90}" type="datetimeFigureOut">
               <a:rPr lang="en-US" dirty="0"/>
-              <a:t>9/6/2020</a:t>
+              <a:t>9/7/2020</a:t>
             </a:fld>
             <a:endParaRPr lang="en-US" dirty="0"/>
           </a:p>
@@ -33555,7 +33555,7 @@
         </p:nvSpPr>
         <p:spPr>
           <a:xfrm>
-            <a:off x="533398" y="2983043"/>
+            <a:off x="533398" y="2993091"/>
             <a:ext cx="8067675" cy="1651584"/>
           </a:xfrm>
           <a:prstGeom prst="rect">
@@ -33582,20 +33582,25 @@
           <a:p>
             <a:r>
               <a:rPr lang="en-US" sz="1100" dirty="0"/>
-              <a:t>Python</a:t>
+              <a:t>Python </a:t>
             </a:r>
           </a:p>
           <a:p>
             <a:r>
-              <a:rPr lang="en-US" sz="1100" dirty="0" err="1"/>
-              <a:t>SciKitLearn</a:t>
+              <a:rPr lang="en-US" sz="1100" dirty="0"/>
+              <a:t>Spark</a:t>
             </a:r>
-            <a:endParaRPr lang="en-US" sz="1100" dirty="0"/>
           </a:p>
           <a:p>
             <a:r>
               <a:rPr lang="en-US" sz="1100" dirty="0"/>
-              <a:t>Seaborn</a:t>
+              <a:t>Cloud Storage</a:t>
+            </a:r>
+          </a:p>
+          <a:p>
+            <a:r>
+              <a:rPr lang="en-US" sz="1100" dirty="0"/>
+              <a:t>IBM Watson Studio</a:t>
             </a:r>
           </a:p>
           <a:p>
@@ -33606,10 +33611,15 @@
           </a:p>
           <a:p>
             <a:r>
-              <a:rPr lang="en-US" sz="1100" dirty="0" err="1"/>
-              <a:t>PySpark</a:t>
+              <a:rPr lang="en-US" sz="1100" dirty="0"/>
+              <a:t>Deployment</a:t>
             </a:r>
-            <a:endParaRPr lang="en-US" sz="1100" dirty="0"/>
+          </a:p>
+          <a:p>
+            <a:r>
+              <a:rPr lang="en-US" sz="1100" dirty="0"/>
+              <a:t>Jobs Batch scheduling</a:t>
+            </a:r>
           </a:p>
           <a:p>
             <a:pPr algn="l"/>
@@ -33682,7 +33692,7 @@
         <p:spPr>
           <a:xfrm>
             <a:off x="542925" y="739203"/>
-            <a:ext cx="8067675" cy="1504013"/>
+            <a:ext cx="8067675" cy="1651584"/>
           </a:xfrm>
           <a:prstGeom prst="rect">
             <a:avLst/>
@@ -33709,52 +33719,77 @@
             <a:pPr algn="l"/>
             <a:r>
               <a:rPr lang="en-US" sz="1100" dirty="0"/>
-              <a:t>Data gathering filter and cleaning</a:t>
+              <a:t>1.In the process of Finding social score we have considered 2 </a:t>
+            </a:r>
+            <a:r>
+              <a:rPr lang="en-US" sz="1100" dirty="0" err="1"/>
+              <a:t>i</a:t>
+            </a:r>
+            <a:r>
+              <a:rPr lang="en-US" sz="1100" dirty="0"/>
+              <a:t>/</a:t>
+            </a:r>
+            <a:r>
+              <a:rPr lang="en-US" sz="1100" dirty="0" err="1"/>
+              <a:t>ps</a:t>
+            </a:r>
+            <a:r>
+              <a:rPr lang="en-US" sz="1100" dirty="0"/>
+              <a:t> FB and Linked In data and generated mock data .</a:t>
             </a:r>
           </a:p>
           <a:p>
             <a:pPr algn="l"/>
             <a:r>
               <a:rPr lang="en-US" sz="1100" dirty="0"/>
-              <a:t>Prepared Score Chart based on user properties like age , experience , followers , designation  , travel pattern , </a:t>
+              <a:t>Calculated</a:t>
+            </a:r>
+          </a:p>
+          <a:p>
+            <a:pPr algn="l"/>
+            <a:endParaRPr lang="en-US" sz="1100" dirty="0"/>
+          </a:p>
+          <a:p>
+            <a:pPr algn="l"/>
+            <a:r>
+              <a:rPr lang="en-US" sz="1100" dirty="0"/>
+              <a:t>2.We picked up few important columns of total dataset which distinguishes each and classified into all possible buckets .</a:t>
             </a:r>
           </a:p>
           <a:p>
             <a:pPr algn="l"/>
             <a:r>
               <a:rPr lang="en-US" sz="1100" dirty="0"/>
-              <a:t>Preparing the final score chart for all the users</a:t>
+              <a:t>3. We given rating on each bucket </a:t>
             </a:r>
           </a:p>
           <a:p>
             <a:pPr algn="l"/>
             <a:r>
               <a:rPr lang="en-US" sz="1100" dirty="0"/>
-              <a:t>Tried various ML algorithm Logistic Regression / Decision Tree / Random Forest to identify best prediction</a:t>
+              <a:t>4.Applied Transformations on the I/P and obtained the processed o/p</a:t>
             </a:r>
           </a:p>
           <a:p>
             <a:pPr algn="l"/>
             <a:r>
               <a:rPr lang="en-US" sz="1100" dirty="0"/>
-              <a:t>Using </a:t>
-            </a:r>
-            <a:r>
-              <a:rPr lang="en-US" sz="1100" dirty="0" err="1"/>
-              <a:t>Seabron</a:t>
-            </a:r>
-            <a:r>
-              <a:rPr lang="en-US" sz="1100" dirty="0"/>
-              <a:t> libraries to prepare the visualization to present the output</a:t>
+              <a:t>5.Trained the Model</a:t>
             </a:r>
           </a:p>
           <a:p>
             <a:pPr algn="l"/>
             <a:r>
               <a:rPr lang="en-US" sz="1100" dirty="0"/>
-              <a:t>used to identify good candidate from social media data for upcoming bank / credit card offers</a:t>
+              <a:t>6.Deployed and Tested</a:t>
             </a:r>
-            <a:endParaRPr lang="en-IN" sz="1100" dirty="0"/>
+          </a:p>
+          <a:p>
+            <a:pPr algn="l"/>
+            <a:r>
+              <a:rPr lang="en-US" sz="1100" dirty="0"/>
+              <a:t>7.Calcuated error percentage and accuracy of model achieved</a:t>
+            </a:r>
           </a:p>
           <a:p>
             <a:pPr algn="l"/>
@@ -34015,6 +34050,35 @@
           <a:lstStyle/>
           <a:p>
             <a:pPr algn="l"/>
+            <a:r>
+              <a:rPr lang="en-US" sz="1100" dirty="0"/>
+              <a:t>1.Social score –average of Linked IN score and FB score .</a:t>
+            </a:r>
+          </a:p>
+          <a:p>
+            <a:pPr algn="l"/>
+            <a:endParaRPr lang="en-US" sz="1100" dirty="0"/>
+          </a:p>
+          <a:p>
+            <a:pPr algn="l"/>
+            <a:r>
+              <a:rPr lang="en-US" sz="1100" dirty="0"/>
+              <a:t>Future Scope:</a:t>
+            </a:r>
+          </a:p>
+          <a:p>
+            <a:pPr algn="l"/>
+            <a:r>
+              <a:rPr lang="en-US" sz="1100" dirty="0"/>
+              <a:t>Mapping onto the credit score ,to find overall score of credit based on social activities and financial status.</a:t>
+            </a:r>
+          </a:p>
+          <a:p>
+            <a:pPr algn="l"/>
+            <a:endParaRPr lang="en-US" sz="1100" dirty="0"/>
+          </a:p>
+          <a:p>
+            <a:pPr algn="l"/>
             <a:endParaRPr lang="en-US" sz="1100" dirty="0"/>
           </a:p>
         </p:txBody>
@@ -34113,7 +34177,7 @@
         </p:nvSpPr>
         <p:spPr>
           <a:xfrm>
-            <a:off x="533398" y="680485"/>
+            <a:off x="542925" y="594679"/>
             <a:ext cx="8067675" cy="3954142"/>
           </a:xfrm>
           <a:prstGeom prst="rect">
@@ -34141,15 +34205,26 @@
             <a:pPr algn="l"/>
             <a:r>
               <a:rPr lang="en-US" sz="1100" dirty="0"/>
-              <a:t>Identifying Algorithm</a:t>
+              <a:t>1. Self Exploration of  IBMS tools stack -Watson Studio </a:t>
             </a:r>
           </a:p>
           <a:p>
             <a:pPr algn="l"/>
             <a:r>
               <a:rPr lang="en-US" sz="1100" dirty="0"/>
-              <a:t>Preparing Data set</a:t>
+              <a:t>2.Mocking  Data set  </a:t>
             </a:r>
+          </a:p>
+          <a:p>
+            <a:pPr algn="l"/>
+            <a:r>
+              <a:rPr lang="en-US" sz="1100" dirty="0"/>
+              <a:t>3.Grouping into buckets</a:t>
+            </a:r>
+          </a:p>
+          <a:p>
+            <a:pPr algn="l"/>
+            <a:endParaRPr lang="en-US" sz="1100" dirty="0"/>
           </a:p>
         </p:txBody>
       </p:sp>
@@ -34185,60 +34260,131 @@
       </p:grpSpPr>
       <p:sp>
         <p:nvSpPr>
-          <p:cNvPr id="5" name="TextBox 4">
+          <p:cNvPr id="2" name="Title 1">
             <a:extLst>
               <a:ext uri="{FF2B5EF4-FFF2-40B4-BE49-F238E27FC236}">
-                <a16:creationId xmlns:a16="http://schemas.microsoft.com/office/drawing/2014/main" id="{83CC51E3-E419-4AB1-8316-5C2835430B1C}"/>
+                <a16:creationId xmlns:a16="http://schemas.microsoft.com/office/drawing/2014/main" id="{B5B66EDD-E2D4-4E64-844C-39D786B46C4D}"/>
               </a:ext>
             </a:extLst>
           </p:cNvPr>
-          <p:cNvSpPr txBox="1"/>
-          <p:nvPr/>
+          <p:cNvSpPr>
+            <a:spLocks noGrp="1"/>
+          </p:cNvSpPr>
+          <p:nvPr>
+            <p:ph type="title"/>
+          </p:nvPr>
         </p:nvSpPr>
-        <p:spPr>
-          <a:xfrm>
-            <a:off x="542925" y="179457"/>
-            <a:ext cx="8058148" cy="369332"/>
-          </a:xfrm>
-          <a:prstGeom prst="rect">
-            <a:avLst/>
-          </a:prstGeom>
-        </p:spPr>
-        <p:style>
-          <a:lnRef idx="0">
-            <a:schemeClr val="dk1"/>
-          </a:lnRef>
-          <a:fillRef idx="3">
-            <a:schemeClr val="dk1"/>
-          </a:fillRef>
-          <a:effectRef idx="3">
-            <a:schemeClr val="dk1"/>
-          </a:effectRef>
-          <a:fontRef idx="minor">
-            <a:schemeClr val="lt1"/>
-          </a:fontRef>
-        </p:style>
+        <p:spPr/>
         <p:txBody>
-          <a:bodyPr wrap="square" rtlCol="0" anchor="ctr">
-            <a:spAutoFit/>
-          </a:bodyPr>
+          <a:bodyPr/>
           <a:lstStyle/>
           <a:p>
-            <a:r>
-              <a:rPr lang="en-US" sz="1800" dirty="0">
-                <a:latin typeface="+mn-lt"/>
-              </a:rPr>
-              <a:t>Screenshots (if any applicable)</a:t>
-            </a:r>
+            <a:endParaRPr lang="en-IN"/>
           </a:p>
         </p:txBody>
       </p:sp>
       <p:sp>
         <p:nvSpPr>
-          <p:cNvPr id="14" name="Rectangle 13">
+          <p:cNvPr id="3" name="Content Placeholder 2">
             <a:extLst>
               <a:ext uri="{FF2B5EF4-FFF2-40B4-BE49-F238E27FC236}">
-                <a16:creationId xmlns:a16="http://schemas.microsoft.com/office/drawing/2014/main" id="{A33384C4-2658-4867-9748-8E3E227C174C}"/>
+                <a16:creationId xmlns:a16="http://schemas.microsoft.com/office/drawing/2014/main" id="{21B07FBC-045B-4F74-926D-D222909CC757}"/>
+              </a:ext>
+            </a:extLst>
+          </p:cNvPr>
+          <p:cNvSpPr>
+            <a:spLocks noGrp="1"/>
+          </p:cNvSpPr>
+          <p:nvPr>
+            <p:ph idx="1"/>
+          </p:nvPr>
+        </p:nvSpPr>
+        <p:spPr>
+          <a:xfrm>
+            <a:off x="628650" y="466726"/>
+            <a:ext cx="7886700" cy="4620863"/>
+          </a:xfrm>
+        </p:spPr>
+        <p:txBody>
+          <a:bodyPr>
+            <a:normAutofit/>
+          </a:bodyPr>
+          <a:lstStyle/>
+          <a:p>
+            <a:pPr marL="0" indent="0">
+              <a:buNone/>
+            </a:pPr>
+            <a:endParaRPr lang="en-IN" sz="1350" dirty="0"/>
+          </a:p>
+          <a:p>
+            <a:pPr marL="0" indent="0">
+              <a:buNone/>
+            </a:pPr>
+            <a:endParaRPr lang="en-IN" sz="1350" dirty="0"/>
+          </a:p>
+          <a:p>
+            <a:pPr marL="0" indent="0">
+              <a:buNone/>
+            </a:pPr>
+            <a:endParaRPr lang="en-IN" sz="1350" dirty="0"/>
+          </a:p>
+          <a:p>
+            <a:pPr marL="257175" indent="-257175">
+              <a:buAutoNum type="arabicPeriod"/>
+            </a:pPr>
+            <a:r>
+              <a:rPr lang="en-IN" sz="1350" dirty="0"/>
+              <a:t>Key columns from I/P are picked and segregated into all possible buckets </a:t>
+            </a:r>
+          </a:p>
+          <a:p>
+            <a:pPr marL="0" indent="0">
+              <a:buNone/>
+            </a:pPr>
+            <a:r>
+              <a:rPr lang="en-IN" sz="1350" dirty="0"/>
+              <a:t>2 &amp; 3 </a:t>
+            </a:r>
+            <a:r>
+              <a:rPr lang="en-IN" sz="1350" dirty="0" err="1"/>
+              <a:t>PySpark</a:t>
+            </a:r>
+            <a:r>
+              <a:rPr lang="en-IN" sz="1350" dirty="0"/>
+              <a:t> code for Transformations</a:t>
+            </a:r>
+          </a:p>
+          <a:p>
+            <a:pPr marL="0" indent="0">
+              <a:buNone/>
+            </a:pPr>
+            <a:r>
+              <a:rPr lang="en-IN" sz="1350" dirty="0"/>
+              <a:t>4 Auto  IBM AI model chooses Best </a:t>
+            </a:r>
+            <a:r>
+              <a:rPr lang="en-IN" sz="1350" dirty="0" err="1"/>
+              <a:t>Algortihm</a:t>
+            </a:r>
+            <a:r>
+              <a:rPr lang="en-IN" sz="1350" dirty="0"/>
+              <a:t> on our Trained Data Set (Gradient Boosting algorithm)</a:t>
+            </a:r>
+          </a:p>
+          <a:p>
+            <a:pPr marL="0" indent="0">
+              <a:buNone/>
+            </a:pPr>
+            <a:endParaRPr lang="en-IN" sz="1350" dirty="0"/>
+          </a:p>
+        </p:txBody>
+      </p:sp>
+      <p:sp>
+        <p:nvSpPr>
+          <p:cNvPr id="4" name="Rectangle 3">
+            <a:extLst>
+              <a:ext uri="{FF2B5EF4-FFF2-40B4-BE49-F238E27FC236}">
+                <a16:creationId xmlns:a16="http://schemas.microsoft.com/office/drawing/2014/main" id="{F873E2B5-BEA6-48AF-AD9D-7E1230AFE5E3}"/>
               </a:ext>
             </a:extLst>
           </p:cNvPr>
@@ -34247,52 +34393,8 @@
         </p:nvSpPr>
         <p:spPr>
           <a:xfrm>
-            <a:off x="533398" y="680485"/>
-            <a:ext cx="8067675" cy="3954142"/>
-          </a:xfrm>
-          <a:prstGeom prst="rect">
-            <a:avLst/>
-          </a:prstGeom>
-        </p:spPr>
-        <p:style>
-          <a:lnRef idx="2">
-            <a:schemeClr val="accent5"/>
-          </a:lnRef>
-          <a:fillRef idx="1">
-            <a:schemeClr val="lt1"/>
-          </a:fillRef>
-          <a:effectRef idx="0">
-            <a:schemeClr val="accent5"/>
-          </a:effectRef>
-          <a:fontRef idx="minor">
-            <a:schemeClr val="dk1"/>
-          </a:fontRef>
-        </p:style>
-        <p:txBody>
-          <a:bodyPr rtlCol="0" anchor="t"/>
-          <a:lstStyle/>
-          <a:p>
-            <a:pPr algn="l"/>
-            <a:endParaRPr lang="en-US" sz="1100" dirty="0"/>
-          </a:p>
-        </p:txBody>
-      </p:sp>
-      <p:sp>
-        <p:nvSpPr>
-          <p:cNvPr id="4" name="Rectangle 3">
-            <a:extLst>
-              <a:ext uri="{FF2B5EF4-FFF2-40B4-BE49-F238E27FC236}">
-                <a16:creationId xmlns:a16="http://schemas.microsoft.com/office/drawing/2014/main" id="{6A073500-31A1-471D-8E40-99402F2A82F4}"/>
-              </a:ext>
-            </a:extLst>
-          </p:cNvPr>
-          <p:cNvSpPr/>
-          <p:nvPr/>
-        </p:nvSpPr>
-        <p:spPr>
-          <a:xfrm>
-            <a:off x="714291" y="1084047"/>
-            <a:ext cx="1593869" cy="900332"/>
+            <a:off x="2822713" y="2295940"/>
+            <a:ext cx="1161350" cy="705678"/>
           </a:xfrm>
           <a:prstGeom prst="rect">
             <a:avLst/>
@@ -34320,19 +34422,18 @@
           <a:p>
             <a:pPr algn="ctr"/>
             <a:r>
-              <a:rPr lang="en-US" dirty="0"/>
-              <a:t>Social Media Data</a:t>
+              <a:rPr lang="en-IN" sz="900" dirty="0"/>
+              <a:t>Cloud Data Storage </a:t>
             </a:r>
-            <a:endParaRPr lang="en-IN" dirty="0"/>
           </a:p>
         </p:txBody>
       </p:sp>
       <p:sp>
         <p:nvSpPr>
-          <p:cNvPr id="6" name="Rectangle 5">
+          <p:cNvPr id="7" name="Arrow: Right 6">
             <a:extLst>
               <a:ext uri="{FF2B5EF4-FFF2-40B4-BE49-F238E27FC236}">
-                <a16:creationId xmlns:a16="http://schemas.microsoft.com/office/drawing/2014/main" id="{66480133-B36D-429C-8E91-74F33BFDC975}"/>
+                <a16:creationId xmlns:a16="http://schemas.microsoft.com/office/drawing/2014/main" id="{DB4CC3DE-22C3-4AEE-9258-849DCC2A335D}"/>
               </a:ext>
             </a:extLst>
           </p:cNvPr>
@@ -34341,8 +34442,177 @@
         </p:nvSpPr>
         <p:spPr>
           <a:xfrm>
-            <a:off x="2773022" y="1084047"/>
-            <a:ext cx="1448972" cy="900332"/>
+            <a:off x="1948070" y="2474844"/>
+            <a:ext cx="874643" cy="34289"/>
+          </a:xfrm>
+          <a:prstGeom prst="rightArrow">
+            <a:avLst/>
+          </a:prstGeom>
+        </p:spPr>
+        <p:style>
+          <a:lnRef idx="2">
+            <a:schemeClr val="accent1">
+              <a:shade val="50000"/>
+            </a:schemeClr>
+          </a:lnRef>
+          <a:fillRef idx="1">
+            <a:schemeClr val="accent1"/>
+          </a:fillRef>
+          <a:effectRef idx="0">
+            <a:schemeClr val="accent1"/>
+          </a:effectRef>
+          <a:fontRef idx="minor">
+            <a:schemeClr val="lt1"/>
+          </a:fontRef>
+        </p:style>
+        <p:txBody>
+          <a:bodyPr rtlCol="0" anchor="ctr"/>
+          <a:lstStyle/>
+          <a:p>
+            <a:pPr algn="ctr"/>
+            <a:endParaRPr lang="en-IN" sz="900"/>
+          </a:p>
+        </p:txBody>
+      </p:sp>
+      <p:sp>
+        <p:nvSpPr>
+          <p:cNvPr id="12" name="Arrow: Right 11">
+            <a:extLst>
+              <a:ext uri="{FF2B5EF4-FFF2-40B4-BE49-F238E27FC236}">
+                <a16:creationId xmlns:a16="http://schemas.microsoft.com/office/drawing/2014/main" id="{CA462D39-8B1A-405B-956C-CD7D7B2957C0}"/>
+              </a:ext>
+            </a:extLst>
+          </p:cNvPr>
+          <p:cNvSpPr/>
+          <p:nvPr/>
+        </p:nvSpPr>
+        <p:spPr>
+          <a:xfrm>
+            <a:off x="1948070" y="2848059"/>
+            <a:ext cx="874643" cy="34289"/>
+          </a:xfrm>
+          <a:prstGeom prst="rightArrow">
+            <a:avLst/>
+          </a:prstGeom>
+        </p:spPr>
+        <p:style>
+          <a:lnRef idx="2">
+            <a:schemeClr val="accent1">
+              <a:shade val="50000"/>
+            </a:schemeClr>
+          </a:lnRef>
+          <a:fillRef idx="1">
+            <a:schemeClr val="accent1"/>
+          </a:fillRef>
+          <a:effectRef idx="0">
+            <a:schemeClr val="accent1"/>
+          </a:effectRef>
+          <a:fontRef idx="minor">
+            <a:schemeClr val="lt1"/>
+          </a:fontRef>
+        </p:style>
+        <p:txBody>
+          <a:bodyPr rtlCol="0" anchor="ctr"/>
+          <a:lstStyle/>
+          <a:p>
+            <a:pPr algn="ctr"/>
+            <a:endParaRPr lang="en-IN" sz="900"/>
+          </a:p>
+        </p:txBody>
+      </p:sp>
+      <p:sp>
+        <p:nvSpPr>
+          <p:cNvPr id="13" name="TextBox 12">
+            <a:extLst>
+              <a:ext uri="{FF2B5EF4-FFF2-40B4-BE49-F238E27FC236}">
+                <a16:creationId xmlns:a16="http://schemas.microsoft.com/office/drawing/2014/main" id="{293DED5C-E2FC-44A8-9B7D-6CC1DB9D7690}"/>
+              </a:ext>
+            </a:extLst>
+          </p:cNvPr>
+          <p:cNvSpPr txBox="1"/>
+          <p:nvPr/>
+        </p:nvSpPr>
+        <p:spPr>
+          <a:xfrm>
+            <a:off x="1095601" y="2239554"/>
+            <a:ext cx="1618550" cy="230832"/>
+          </a:xfrm>
+          <a:prstGeom prst="rect">
+            <a:avLst/>
+          </a:prstGeom>
+          <a:noFill/>
+        </p:spPr>
+        <p:txBody>
+          <a:bodyPr wrap="square" rtlCol="0">
+            <a:spAutoFit/>
+          </a:bodyPr>
+          <a:lstStyle/>
+          <a:p>
+            <a:r>
+              <a:rPr lang="en-IN" sz="900" b="1" dirty="0"/>
+              <a:t>FB  Schema Data</a:t>
+            </a:r>
+          </a:p>
+        </p:txBody>
+      </p:sp>
+      <p:sp>
+        <p:nvSpPr>
+          <p:cNvPr id="20" name="TextBox 19">
+            <a:extLst>
+              <a:ext uri="{FF2B5EF4-FFF2-40B4-BE49-F238E27FC236}">
+                <a16:creationId xmlns:a16="http://schemas.microsoft.com/office/drawing/2014/main" id="{A917B44F-E178-4A52-90FD-199F9452C903}"/>
+              </a:ext>
+            </a:extLst>
+          </p:cNvPr>
+          <p:cNvSpPr txBox="1"/>
+          <p:nvPr/>
+        </p:nvSpPr>
+        <p:spPr>
+          <a:xfrm>
+            <a:off x="979292" y="2857838"/>
+            <a:ext cx="1827272" cy="369332"/>
+          </a:xfrm>
+          <a:prstGeom prst="rect">
+            <a:avLst/>
+          </a:prstGeom>
+          <a:noFill/>
+        </p:spPr>
+        <p:txBody>
+          <a:bodyPr wrap="square" rtlCol="0">
+            <a:spAutoFit/>
+          </a:bodyPr>
+          <a:lstStyle/>
+          <a:p>
+            <a:r>
+              <a:rPr lang="en-IN" sz="900" b="1" dirty="0" err="1"/>
+              <a:t>Linked_In</a:t>
+            </a:r>
+            <a:r>
+              <a:rPr lang="en-IN" sz="900" b="1" dirty="0"/>
+              <a:t>  schema Data</a:t>
+            </a:r>
+          </a:p>
+          <a:p>
+            <a:endParaRPr lang="en-IN" sz="900" dirty="0"/>
+          </a:p>
+        </p:txBody>
+      </p:sp>
+      <p:sp>
+        <p:nvSpPr>
+          <p:cNvPr id="22" name="Rectangle 21">
+            <a:extLst>
+              <a:ext uri="{FF2B5EF4-FFF2-40B4-BE49-F238E27FC236}">
+                <a16:creationId xmlns:a16="http://schemas.microsoft.com/office/drawing/2014/main" id="{0467DB68-DEFC-4F1D-A7E1-A325CEE2FA8E}"/>
+              </a:ext>
+            </a:extLst>
+          </p:cNvPr>
+          <p:cNvSpPr/>
+          <p:nvPr/>
+        </p:nvSpPr>
+        <p:spPr>
+          <a:xfrm>
+            <a:off x="4641574" y="2226043"/>
+            <a:ext cx="1083365" cy="894521"/>
           </a:xfrm>
           <a:prstGeom prst="rect">
             <a:avLst/>
@@ -34370,19 +34640,18 @@
           <a:p>
             <a:pPr algn="ctr"/>
             <a:r>
-              <a:rPr lang="en-US" dirty="0"/>
-              <a:t>Data Filter</a:t>
+              <a:rPr lang="en-IN" sz="900" dirty="0"/>
+              <a:t>Classifier Columns &amp;Rating Points</a:t>
             </a:r>
-            <a:endParaRPr lang="en-IN" dirty="0"/>
           </a:p>
         </p:txBody>
       </p:sp>
       <p:sp>
         <p:nvSpPr>
-          <p:cNvPr id="7" name="Rectangle 6">
+          <p:cNvPr id="23" name="Arrow: Right 22">
             <a:extLst>
               <a:ext uri="{FF2B5EF4-FFF2-40B4-BE49-F238E27FC236}">
-                <a16:creationId xmlns:a16="http://schemas.microsoft.com/office/drawing/2014/main" id="{B780490D-1AA0-4EE6-BD43-64129293C7E6}"/>
+                <a16:creationId xmlns:a16="http://schemas.microsoft.com/office/drawing/2014/main" id="{3996193A-BC99-4941-8685-12602BE584F2}"/>
               </a:ext>
             </a:extLst>
           </p:cNvPr>
@@ -34391,8 +34660,54 @@
         </p:nvSpPr>
         <p:spPr>
           <a:xfrm>
-            <a:off x="4759305" y="1084047"/>
-            <a:ext cx="1448972" cy="900332"/>
+            <a:off x="3984063" y="2610335"/>
+            <a:ext cx="657511" cy="103047"/>
+          </a:xfrm>
+          <a:prstGeom prst="rightArrow">
+            <a:avLst/>
+          </a:prstGeom>
+        </p:spPr>
+        <p:style>
+          <a:lnRef idx="2">
+            <a:schemeClr val="accent1">
+              <a:shade val="50000"/>
+            </a:schemeClr>
+          </a:lnRef>
+          <a:fillRef idx="1">
+            <a:schemeClr val="accent1"/>
+          </a:fillRef>
+          <a:effectRef idx="0">
+            <a:schemeClr val="accent1"/>
+          </a:effectRef>
+          <a:fontRef idx="minor">
+            <a:schemeClr val="lt1"/>
+          </a:fontRef>
+        </p:style>
+        <p:txBody>
+          <a:bodyPr rtlCol="0" anchor="ctr"/>
+          <a:lstStyle/>
+          <a:p>
+            <a:pPr algn="ctr"/>
+            <a:endParaRPr lang="en-IN" sz="900"/>
+          </a:p>
+        </p:txBody>
+      </p:sp>
+      <p:sp>
+        <p:nvSpPr>
+          <p:cNvPr id="25" name="Rectangle 24">
+            <a:extLst>
+              <a:ext uri="{FF2B5EF4-FFF2-40B4-BE49-F238E27FC236}">
+                <a16:creationId xmlns:a16="http://schemas.microsoft.com/office/drawing/2014/main" id="{28B7034F-E1D8-4262-9AC7-EEAAC5428E2F}"/>
+              </a:ext>
+            </a:extLst>
+          </p:cNvPr>
+          <p:cNvSpPr/>
+          <p:nvPr/>
+        </p:nvSpPr>
+        <p:spPr>
+          <a:xfrm>
+            <a:off x="6082748" y="2217721"/>
+            <a:ext cx="1083365" cy="902843"/>
           </a:xfrm>
           <a:prstGeom prst="rect">
             <a:avLst/>
@@ -34420,19 +34735,18 @@
           <a:p>
             <a:pPr algn="ctr"/>
             <a:r>
-              <a:rPr lang="en-US" dirty="0"/>
-              <a:t>Data Cleaning</a:t>
+              <a:rPr lang="en-IN" sz="900" dirty="0"/>
+              <a:t>Processed I/P</a:t>
             </a:r>
-            <a:endParaRPr lang="en-IN" dirty="0"/>
           </a:p>
         </p:txBody>
       </p:sp>
       <p:sp>
         <p:nvSpPr>
-          <p:cNvPr id="8" name="Rectangle 7">
+          <p:cNvPr id="26" name="Arrow: Right 25">
             <a:extLst>
               <a:ext uri="{FF2B5EF4-FFF2-40B4-BE49-F238E27FC236}">
-                <a16:creationId xmlns:a16="http://schemas.microsoft.com/office/drawing/2014/main" id="{BA51FC7A-3116-4D40-86C0-B4B15AF658AF}"/>
+                <a16:creationId xmlns:a16="http://schemas.microsoft.com/office/drawing/2014/main" id="{6723DA0B-4932-48A6-81B3-6B90F9618CF1}"/>
               </a:ext>
             </a:extLst>
           </p:cNvPr>
@@ -34441,8 +34755,54 @@
         </p:nvSpPr>
         <p:spPr>
           <a:xfrm>
-            <a:off x="6870564" y="1084047"/>
-            <a:ext cx="1448972" cy="900332"/>
+            <a:off x="5724939" y="2610335"/>
+            <a:ext cx="357809" cy="103047"/>
+          </a:xfrm>
+          <a:prstGeom prst="rightArrow">
+            <a:avLst/>
+          </a:prstGeom>
+        </p:spPr>
+        <p:style>
+          <a:lnRef idx="2">
+            <a:schemeClr val="accent1">
+              <a:shade val="50000"/>
+            </a:schemeClr>
+          </a:lnRef>
+          <a:fillRef idx="1">
+            <a:schemeClr val="accent1"/>
+          </a:fillRef>
+          <a:effectRef idx="0">
+            <a:schemeClr val="accent1"/>
+          </a:effectRef>
+          <a:fontRef idx="minor">
+            <a:schemeClr val="lt1"/>
+          </a:fontRef>
+        </p:style>
+        <p:txBody>
+          <a:bodyPr rtlCol="0" anchor="ctr"/>
+          <a:lstStyle/>
+          <a:p>
+            <a:pPr algn="ctr"/>
+            <a:endParaRPr lang="en-IN" sz="900"/>
+          </a:p>
+        </p:txBody>
+      </p:sp>
+      <p:sp>
+        <p:nvSpPr>
+          <p:cNvPr id="28" name="Rectangle 27">
+            <a:extLst>
+              <a:ext uri="{FF2B5EF4-FFF2-40B4-BE49-F238E27FC236}">
+                <a16:creationId xmlns:a16="http://schemas.microsoft.com/office/drawing/2014/main" id="{2192ACA7-53DA-4CEC-A1D1-F21EA1BA41D9}"/>
+              </a:ext>
+            </a:extLst>
+          </p:cNvPr>
+          <p:cNvSpPr/>
+          <p:nvPr/>
+        </p:nvSpPr>
+        <p:spPr>
+          <a:xfrm>
+            <a:off x="6082748" y="3362939"/>
+            <a:ext cx="1083365" cy="707329"/>
           </a:xfrm>
           <a:prstGeom prst="rect">
             <a:avLst/>
@@ -34470,19 +34830,18 @@
           <a:p>
             <a:pPr algn="ctr"/>
             <a:r>
-              <a:rPr lang="en-US" dirty="0"/>
-              <a:t>Data Cluster </a:t>
+              <a:rPr lang="en-IN" sz="900" dirty="0"/>
+              <a:t>IBM Auto AI Model </a:t>
             </a:r>
-            <a:endParaRPr lang="en-IN" dirty="0"/>
           </a:p>
         </p:txBody>
       </p:sp>
       <p:sp>
         <p:nvSpPr>
-          <p:cNvPr id="9" name="Rectangle 8">
+          <p:cNvPr id="30" name="Arrow: Down 29">
             <a:extLst>
               <a:ext uri="{FF2B5EF4-FFF2-40B4-BE49-F238E27FC236}">
-                <a16:creationId xmlns:a16="http://schemas.microsoft.com/office/drawing/2014/main" id="{E89018DF-BFB6-480B-8B36-5C9C203502D1}"/>
+                <a16:creationId xmlns:a16="http://schemas.microsoft.com/office/drawing/2014/main" id="{274B666E-6F73-439E-81F7-DCEE1DDD1DBB}"/>
               </a:ext>
             </a:extLst>
           </p:cNvPr>
@@ -34491,8 +34850,54 @@
         </p:nvSpPr>
         <p:spPr>
           <a:xfrm>
-            <a:off x="6870564" y="2802755"/>
-            <a:ext cx="1448972" cy="900332"/>
+            <a:off x="6539947" y="3120564"/>
+            <a:ext cx="89453" cy="242375"/>
+          </a:xfrm>
+          <a:prstGeom prst="downArrow">
+            <a:avLst/>
+          </a:prstGeom>
+        </p:spPr>
+        <p:style>
+          <a:lnRef idx="2">
+            <a:schemeClr val="accent1">
+              <a:shade val="50000"/>
+            </a:schemeClr>
+          </a:lnRef>
+          <a:fillRef idx="1">
+            <a:schemeClr val="accent1"/>
+          </a:fillRef>
+          <a:effectRef idx="0">
+            <a:schemeClr val="accent1"/>
+          </a:effectRef>
+          <a:fontRef idx="minor">
+            <a:schemeClr val="lt1"/>
+          </a:fontRef>
+        </p:style>
+        <p:txBody>
+          <a:bodyPr rtlCol="0" anchor="ctr"/>
+          <a:lstStyle/>
+          <a:p>
+            <a:pPr algn="ctr"/>
+            <a:endParaRPr lang="en-IN" sz="900"/>
+          </a:p>
+        </p:txBody>
+      </p:sp>
+      <p:sp>
+        <p:nvSpPr>
+          <p:cNvPr id="31" name="Rectangle 30">
+            <a:extLst>
+              <a:ext uri="{FF2B5EF4-FFF2-40B4-BE49-F238E27FC236}">
+                <a16:creationId xmlns:a16="http://schemas.microsoft.com/office/drawing/2014/main" id="{CE8359C6-E179-48DF-9503-8E088D98BA27}"/>
+              </a:ext>
+            </a:extLst>
+          </p:cNvPr>
+          <p:cNvSpPr/>
+          <p:nvPr/>
+        </p:nvSpPr>
+        <p:spPr>
+          <a:xfrm>
+            <a:off x="7513983" y="2217721"/>
+            <a:ext cx="924340" cy="902843"/>
           </a:xfrm>
           <a:prstGeom prst="rect">
             <a:avLst/>
@@ -34520,19 +34925,18 @@
           <a:p>
             <a:pPr algn="ctr"/>
             <a:r>
-              <a:rPr lang="en-US" dirty="0"/>
-              <a:t>ML Algorithm</a:t>
+              <a:rPr lang="en-IN" sz="900" dirty="0"/>
+              <a:t>Processed O/P calculated Score</a:t>
             </a:r>
-            <a:endParaRPr lang="en-IN" dirty="0"/>
           </a:p>
         </p:txBody>
       </p:sp>
       <p:sp>
         <p:nvSpPr>
-          <p:cNvPr id="10" name="Rectangle 9">
+          <p:cNvPr id="32" name="Arrow: Right 31">
             <a:extLst>
               <a:ext uri="{FF2B5EF4-FFF2-40B4-BE49-F238E27FC236}">
-                <a16:creationId xmlns:a16="http://schemas.microsoft.com/office/drawing/2014/main" id="{67CAA28D-EFFB-4249-949B-48B1EFDFA907}"/>
+                <a16:creationId xmlns:a16="http://schemas.microsoft.com/office/drawing/2014/main" id="{6E823A06-6D54-464F-8DDA-8A6C6C7B357D}"/>
               </a:ext>
             </a:extLst>
           </p:cNvPr>
@@ -34541,8 +34945,368 @@
         </p:nvSpPr>
         <p:spPr>
           <a:xfrm>
-            <a:off x="4561570" y="2802755"/>
-            <a:ext cx="1448972" cy="900332"/>
+            <a:off x="7166113" y="2610335"/>
+            <a:ext cx="357809" cy="103047"/>
+          </a:xfrm>
+          <a:prstGeom prst="rightArrow">
+            <a:avLst/>
+          </a:prstGeom>
+        </p:spPr>
+        <p:style>
+          <a:lnRef idx="2">
+            <a:schemeClr val="accent1">
+              <a:shade val="50000"/>
+            </a:schemeClr>
+          </a:lnRef>
+          <a:fillRef idx="1">
+            <a:schemeClr val="accent1"/>
+          </a:fillRef>
+          <a:effectRef idx="0">
+            <a:schemeClr val="accent1"/>
+          </a:effectRef>
+          <a:fontRef idx="minor">
+            <a:schemeClr val="lt1"/>
+          </a:fontRef>
+        </p:style>
+        <p:txBody>
+          <a:bodyPr rtlCol="0" anchor="ctr"/>
+          <a:lstStyle/>
+          <a:p>
+            <a:pPr algn="ctr"/>
+            <a:endParaRPr lang="en-IN" sz="900"/>
+          </a:p>
+        </p:txBody>
+      </p:sp>
+      <p:sp>
+        <p:nvSpPr>
+          <p:cNvPr id="33" name="Arrow: Left-Up 32">
+            <a:extLst>
+              <a:ext uri="{FF2B5EF4-FFF2-40B4-BE49-F238E27FC236}">
+                <a16:creationId xmlns:a16="http://schemas.microsoft.com/office/drawing/2014/main" id="{29641DF5-DFD9-44EE-A6DA-768172BDD423}"/>
+              </a:ext>
+            </a:extLst>
+          </p:cNvPr>
+          <p:cNvSpPr/>
+          <p:nvPr/>
+        </p:nvSpPr>
+        <p:spPr>
+          <a:xfrm>
+            <a:off x="7166113" y="3120564"/>
+            <a:ext cx="815009" cy="707329"/>
+          </a:xfrm>
+          <a:prstGeom prst="leftUpArrow">
+            <a:avLst/>
+          </a:prstGeom>
+        </p:spPr>
+        <p:style>
+          <a:lnRef idx="2">
+            <a:schemeClr val="accent1">
+              <a:shade val="50000"/>
+            </a:schemeClr>
+          </a:lnRef>
+          <a:fillRef idx="1">
+            <a:schemeClr val="accent1"/>
+          </a:fillRef>
+          <a:effectRef idx="0">
+            <a:schemeClr val="accent1"/>
+          </a:effectRef>
+          <a:fontRef idx="minor">
+            <a:schemeClr val="lt1"/>
+          </a:fontRef>
+        </p:style>
+        <p:txBody>
+          <a:bodyPr rtlCol="0" anchor="ctr"/>
+          <a:lstStyle/>
+          <a:p>
+            <a:pPr algn="ctr"/>
+            <a:endParaRPr lang="en-IN" sz="900"/>
+          </a:p>
+        </p:txBody>
+      </p:sp>
+      <p:sp>
+        <p:nvSpPr>
+          <p:cNvPr id="34" name="TextBox 33">
+            <a:extLst>
+              <a:ext uri="{FF2B5EF4-FFF2-40B4-BE49-F238E27FC236}">
+                <a16:creationId xmlns:a16="http://schemas.microsoft.com/office/drawing/2014/main" id="{3709B120-1C18-4420-B62E-2CA620FE38D0}"/>
+              </a:ext>
+            </a:extLst>
+          </p:cNvPr>
+          <p:cNvSpPr txBox="1"/>
+          <p:nvPr/>
+        </p:nvSpPr>
+        <p:spPr>
+          <a:xfrm>
+            <a:off x="4229100" y="2231335"/>
+            <a:ext cx="685800" cy="230832"/>
+          </a:xfrm>
+          <a:prstGeom prst="rect">
+            <a:avLst/>
+          </a:prstGeom>
+          <a:noFill/>
+        </p:spPr>
+        <p:txBody>
+          <a:bodyPr wrap="square" rtlCol="0">
+            <a:spAutoFit/>
+          </a:bodyPr>
+          <a:lstStyle/>
+          <a:p>
+            <a:endParaRPr lang="en-IN" sz="900" dirty="0"/>
+          </a:p>
+        </p:txBody>
+      </p:sp>
+      <p:sp>
+        <p:nvSpPr>
+          <p:cNvPr id="35" name="TextBox 34">
+            <a:extLst>
+              <a:ext uri="{FF2B5EF4-FFF2-40B4-BE49-F238E27FC236}">
+                <a16:creationId xmlns:a16="http://schemas.microsoft.com/office/drawing/2014/main" id="{28D4AD8B-9D2D-4483-8B11-D3E18E0D5681}"/>
+              </a:ext>
+            </a:extLst>
+          </p:cNvPr>
+          <p:cNvSpPr txBox="1"/>
+          <p:nvPr/>
+        </p:nvSpPr>
+        <p:spPr>
+          <a:xfrm>
+            <a:off x="7702825" y="3827892"/>
+            <a:ext cx="812525" cy="230832"/>
+          </a:xfrm>
+          <a:prstGeom prst="rect">
+            <a:avLst/>
+          </a:prstGeom>
+          <a:noFill/>
+        </p:spPr>
+        <p:txBody>
+          <a:bodyPr wrap="square" rtlCol="0">
+            <a:spAutoFit/>
+          </a:bodyPr>
+          <a:lstStyle/>
+          <a:p>
+            <a:r>
+              <a:rPr lang="en-IN" sz="900" dirty="0"/>
+              <a:t>Training </a:t>
+            </a:r>
+          </a:p>
+        </p:txBody>
+      </p:sp>
+      <p:sp>
+        <p:nvSpPr>
+          <p:cNvPr id="36" name="TextBox 35">
+            <a:extLst>
+              <a:ext uri="{FF2B5EF4-FFF2-40B4-BE49-F238E27FC236}">
+                <a16:creationId xmlns:a16="http://schemas.microsoft.com/office/drawing/2014/main" id="{4E8DA534-6664-4D55-8AB0-7E14D68D4A90}"/>
+              </a:ext>
+            </a:extLst>
+          </p:cNvPr>
+          <p:cNvSpPr txBox="1"/>
+          <p:nvPr/>
+        </p:nvSpPr>
+        <p:spPr>
+          <a:xfrm>
+            <a:off x="7185991" y="2384860"/>
+            <a:ext cx="357809" cy="230832"/>
+          </a:xfrm>
+          <a:prstGeom prst="rect">
+            <a:avLst/>
+          </a:prstGeom>
+          <a:noFill/>
+        </p:spPr>
+        <p:txBody>
+          <a:bodyPr wrap="square" rtlCol="0">
+            <a:spAutoFit/>
+          </a:bodyPr>
+          <a:lstStyle/>
+          <a:p>
+            <a:r>
+              <a:rPr lang="en-IN" sz="900" dirty="0"/>
+              <a:t>3</a:t>
+            </a:r>
+          </a:p>
+        </p:txBody>
+      </p:sp>
+      <p:sp>
+        <p:nvSpPr>
+          <p:cNvPr id="38" name="TextBox 37">
+            <a:extLst>
+              <a:ext uri="{FF2B5EF4-FFF2-40B4-BE49-F238E27FC236}">
+                <a16:creationId xmlns:a16="http://schemas.microsoft.com/office/drawing/2014/main" id="{9FF46738-0E12-43C7-A504-70CBA067ED99}"/>
+              </a:ext>
+            </a:extLst>
+          </p:cNvPr>
+          <p:cNvSpPr txBox="1"/>
+          <p:nvPr/>
+        </p:nvSpPr>
+        <p:spPr>
+          <a:xfrm>
+            <a:off x="5787533" y="2336344"/>
+            <a:ext cx="327993" cy="230832"/>
+          </a:xfrm>
+          <a:prstGeom prst="rect">
+            <a:avLst/>
+          </a:prstGeom>
+          <a:noFill/>
+        </p:spPr>
+        <p:txBody>
+          <a:bodyPr wrap="square" rtlCol="0">
+            <a:spAutoFit/>
+          </a:bodyPr>
+          <a:lstStyle/>
+          <a:p>
+            <a:r>
+              <a:rPr lang="en-IN" sz="900" dirty="0"/>
+              <a:t>2</a:t>
+            </a:r>
+          </a:p>
+        </p:txBody>
+      </p:sp>
+      <p:sp>
+        <p:nvSpPr>
+          <p:cNvPr id="39" name="TextBox 38">
+            <a:extLst>
+              <a:ext uri="{FF2B5EF4-FFF2-40B4-BE49-F238E27FC236}">
+                <a16:creationId xmlns:a16="http://schemas.microsoft.com/office/drawing/2014/main" id="{149E34B2-F2E8-4A61-A5CA-6FCDD6880EA5}"/>
+              </a:ext>
+            </a:extLst>
+          </p:cNvPr>
+          <p:cNvSpPr txBox="1"/>
+          <p:nvPr/>
+        </p:nvSpPr>
+        <p:spPr>
+          <a:xfrm>
+            <a:off x="4229100" y="2231335"/>
+            <a:ext cx="685800" cy="230832"/>
+          </a:xfrm>
+          <a:prstGeom prst="rect">
+            <a:avLst/>
+          </a:prstGeom>
+          <a:noFill/>
+        </p:spPr>
+        <p:txBody>
+          <a:bodyPr wrap="square" rtlCol="0">
+            <a:spAutoFit/>
+          </a:bodyPr>
+          <a:lstStyle/>
+          <a:p>
+            <a:endParaRPr lang="en-IN" sz="900" dirty="0"/>
+          </a:p>
+        </p:txBody>
+      </p:sp>
+      <p:sp>
+        <p:nvSpPr>
+          <p:cNvPr id="40" name="TextBox 39">
+            <a:extLst>
+              <a:ext uri="{FF2B5EF4-FFF2-40B4-BE49-F238E27FC236}">
+                <a16:creationId xmlns:a16="http://schemas.microsoft.com/office/drawing/2014/main" id="{6B0167D1-5B74-4B68-A27D-747B21F3FA70}"/>
+              </a:ext>
+            </a:extLst>
+          </p:cNvPr>
+          <p:cNvSpPr txBox="1"/>
+          <p:nvPr/>
+        </p:nvSpPr>
+        <p:spPr>
+          <a:xfrm>
+            <a:off x="4229100" y="2231335"/>
+            <a:ext cx="685800" cy="230832"/>
+          </a:xfrm>
+          <a:prstGeom prst="rect">
+            <a:avLst/>
+          </a:prstGeom>
+          <a:noFill/>
+        </p:spPr>
+        <p:txBody>
+          <a:bodyPr wrap="square" rtlCol="0">
+            <a:spAutoFit/>
+          </a:bodyPr>
+          <a:lstStyle/>
+          <a:p>
+            <a:endParaRPr lang="en-IN" sz="900" dirty="0"/>
+          </a:p>
+        </p:txBody>
+      </p:sp>
+      <p:sp>
+        <p:nvSpPr>
+          <p:cNvPr id="41" name="TextBox 40">
+            <a:extLst>
+              <a:ext uri="{FF2B5EF4-FFF2-40B4-BE49-F238E27FC236}">
+                <a16:creationId xmlns:a16="http://schemas.microsoft.com/office/drawing/2014/main" id="{A9D57AF4-EDB4-4C76-A01E-C33F9D4059E5}"/>
+              </a:ext>
+            </a:extLst>
+          </p:cNvPr>
+          <p:cNvSpPr txBox="1"/>
+          <p:nvPr/>
+        </p:nvSpPr>
+        <p:spPr>
+          <a:xfrm>
+            <a:off x="4229100" y="2231335"/>
+            <a:ext cx="685800" cy="230832"/>
+          </a:xfrm>
+          <a:prstGeom prst="rect">
+            <a:avLst/>
+          </a:prstGeom>
+          <a:noFill/>
+        </p:spPr>
+        <p:txBody>
+          <a:bodyPr wrap="square" rtlCol="0">
+            <a:spAutoFit/>
+          </a:bodyPr>
+          <a:lstStyle/>
+          <a:p>
+            <a:endParaRPr lang="en-IN" sz="900" dirty="0"/>
+          </a:p>
+        </p:txBody>
+      </p:sp>
+      <p:sp>
+        <p:nvSpPr>
+          <p:cNvPr id="42" name="TextBox 41">
+            <a:extLst>
+              <a:ext uri="{FF2B5EF4-FFF2-40B4-BE49-F238E27FC236}">
+                <a16:creationId xmlns:a16="http://schemas.microsoft.com/office/drawing/2014/main" id="{C389B399-9BC2-4C39-AEEF-23569D266108}"/>
+              </a:ext>
+            </a:extLst>
+          </p:cNvPr>
+          <p:cNvSpPr txBox="1"/>
+          <p:nvPr/>
+        </p:nvSpPr>
+        <p:spPr>
+          <a:xfrm>
+            <a:off x="4189343" y="2365514"/>
+            <a:ext cx="273327" cy="230832"/>
+          </a:xfrm>
+          <a:prstGeom prst="rect">
+            <a:avLst/>
+          </a:prstGeom>
+          <a:noFill/>
+        </p:spPr>
+        <p:txBody>
+          <a:bodyPr wrap="square" rtlCol="0">
+            <a:spAutoFit/>
+          </a:bodyPr>
+          <a:lstStyle/>
+          <a:p>
+            <a:r>
+              <a:rPr lang="en-IN" sz="900" dirty="0"/>
+              <a:t>1</a:t>
+            </a:r>
+          </a:p>
+        </p:txBody>
+      </p:sp>
+      <p:sp>
+        <p:nvSpPr>
+          <p:cNvPr id="46" name="Rectangle 45">
+            <a:extLst>
+              <a:ext uri="{FF2B5EF4-FFF2-40B4-BE49-F238E27FC236}">
+                <a16:creationId xmlns:a16="http://schemas.microsoft.com/office/drawing/2014/main" id="{D90DC519-EC9B-47C8-A655-2A2AAF49E690}"/>
+              </a:ext>
+            </a:extLst>
+          </p:cNvPr>
+          <p:cNvSpPr/>
+          <p:nvPr/>
+        </p:nvSpPr>
+        <p:spPr>
+          <a:xfrm>
+            <a:off x="4572001" y="3373702"/>
+            <a:ext cx="1103243" cy="784549"/>
           </a:xfrm>
           <a:prstGeom prst="rect">
             <a:avLst/>
@@ -34570,225 +35334,389 @@
           <a:p>
             <a:pPr algn="ctr"/>
             <a:r>
-              <a:rPr lang="en-US" dirty="0"/>
-              <a:t>Final Data Cluster</a:t>
+              <a:rPr lang="en-IN" sz="900" dirty="0"/>
+              <a:t>Deployed</a:t>
             </a:r>
-            <a:endParaRPr lang="en-IN" dirty="0"/>
+          </a:p>
+          <a:p>
+            <a:pPr algn="ctr"/>
+            <a:r>
+              <a:rPr lang="en-IN" sz="900" dirty="0"/>
+              <a:t>Model  </a:t>
+            </a:r>
           </a:p>
         </p:txBody>
       </p:sp>
-      <p:cxnSp>
-        <p:nvCxnSpPr>
-          <p:cNvPr id="11" name="Straight Arrow Connector 10">
+      <p:sp>
+        <p:nvSpPr>
+          <p:cNvPr id="48" name="Arrow: Left 47">
             <a:extLst>
               <a:ext uri="{FF2B5EF4-FFF2-40B4-BE49-F238E27FC236}">
-                <a16:creationId xmlns:a16="http://schemas.microsoft.com/office/drawing/2014/main" id="{528F11C9-6C82-4D4E-91ED-B8E6BD4757E6}"/>
+                <a16:creationId xmlns:a16="http://schemas.microsoft.com/office/drawing/2014/main" id="{EFF0B1CF-1D2E-4932-9370-E81582399B00}"/>
               </a:ext>
             </a:extLst>
           </p:cNvPr>
-          <p:cNvCxnSpPr>
-            <a:endCxn id="6" idx="1"/>
-          </p:cNvCxnSpPr>
+          <p:cNvSpPr/>
           <p:nvPr/>
-        </p:nvCxnSpPr>
+        </p:nvSpPr>
         <p:spPr>
           <a:xfrm>
-            <a:off x="2235711" y="1534213"/>
-            <a:ext cx="537311" cy="0"/>
+            <a:off x="5675244" y="3577131"/>
+            <a:ext cx="407504" cy="250762"/>
           </a:xfrm>
-          <a:prstGeom prst="straightConnector1">
+          <a:prstGeom prst="leftArrow">
             <a:avLst/>
           </a:prstGeom>
-          <a:ln>
-            <a:tailEnd type="triangle"/>
-          </a:ln>
         </p:spPr>
         <p:style>
-          <a:lnRef idx="1">
-            <a:schemeClr val="accent1"/>
+          <a:lnRef idx="2">
+            <a:schemeClr val="accent1">
+              <a:shade val="50000"/>
+            </a:schemeClr>
           </a:lnRef>
-          <a:fillRef idx="0">
+          <a:fillRef idx="1">
             <a:schemeClr val="accent1"/>
           </a:fillRef>
           <a:effectRef idx="0">
             <a:schemeClr val="accent1"/>
           </a:effectRef>
           <a:fontRef idx="minor">
-            <a:schemeClr val="tx1"/>
+            <a:schemeClr val="lt1"/>
           </a:fontRef>
         </p:style>
-      </p:cxnSp>
-      <p:cxnSp>
-        <p:nvCxnSpPr>
-          <p:cNvPr id="12" name="Straight Arrow Connector 11">
+        <p:txBody>
+          <a:bodyPr rtlCol="0" anchor="ctr"/>
+          <a:lstStyle/>
+          <a:p>
+            <a:pPr algn="ctr"/>
+            <a:endParaRPr lang="en-IN" sz="900"/>
+          </a:p>
+        </p:txBody>
+      </p:sp>
+      <p:sp>
+        <p:nvSpPr>
+          <p:cNvPr id="49" name="Rectangle 48">
             <a:extLst>
               <a:ext uri="{FF2B5EF4-FFF2-40B4-BE49-F238E27FC236}">
-                <a16:creationId xmlns:a16="http://schemas.microsoft.com/office/drawing/2014/main" id="{77FF6CD0-3D23-461A-9EFF-803B4EF5D729}"/>
+                <a16:creationId xmlns:a16="http://schemas.microsoft.com/office/drawing/2014/main" id="{20FEC6DC-580E-479F-B26C-50589A9695D9}"/>
               </a:ext>
             </a:extLst>
           </p:cNvPr>
-          <p:cNvCxnSpPr/>
+          <p:cNvSpPr/>
           <p:nvPr/>
-        </p:nvCxnSpPr>
+        </p:nvSpPr>
         <p:spPr>
           <a:xfrm>
-            <a:off x="4221994" y="1534213"/>
-            <a:ext cx="537311" cy="0"/>
+            <a:off x="3267728" y="3423076"/>
+            <a:ext cx="847073" cy="685800"/>
           </a:xfrm>
-          <a:prstGeom prst="straightConnector1">
+          <a:prstGeom prst="rect">
             <a:avLst/>
           </a:prstGeom>
-          <a:ln>
-            <a:tailEnd type="triangle"/>
-          </a:ln>
         </p:spPr>
         <p:style>
-          <a:lnRef idx="1">
-            <a:schemeClr val="accent1"/>
+          <a:lnRef idx="2">
+            <a:schemeClr val="accent1">
+              <a:shade val="50000"/>
+            </a:schemeClr>
           </a:lnRef>
-          <a:fillRef idx="0">
+          <a:fillRef idx="1">
             <a:schemeClr val="accent1"/>
           </a:fillRef>
           <a:effectRef idx="0">
             <a:schemeClr val="accent1"/>
           </a:effectRef>
           <a:fontRef idx="minor">
-            <a:schemeClr val="tx1"/>
+            <a:schemeClr val="lt1"/>
           </a:fontRef>
         </p:style>
-      </p:cxnSp>
-      <p:cxnSp>
-        <p:nvCxnSpPr>
-          <p:cNvPr id="13" name="Straight Arrow Connector 12">
+        <p:txBody>
+          <a:bodyPr rtlCol="0" anchor="ctr"/>
+          <a:lstStyle/>
+          <a:p>
+            <a:pPr algn="ctr"/>
+            <a:r>
+              <a:rPr lang="en-IN" sz="900" dirty="0"/>
+              <a:t>BATCH JOBS</a:t>
+            </a:r>
+          </a:p>
+        </p:txBody>
+      </p:sp>
+      <p:sp>
+        <p:nvSpPr>
+          <p:cNvPr id="50" name="Rectangle 49">
             <a:extLst>
               <a:ext uri="{FF2B5EF4-FFF2-40B4-BE49-F238E27FC236}">
-                <a16:creationId xmlns:a16="http://schemas.microsoft.com/office/drawing/2014/main" id="{33BCE718-D1EE-434A-BD0D-7517A0D5EE74}"/>
+                <a16:creationId xmlns:a16="http://schemas.microsoft.com/office/drawing/2014/main" id="{F787335C-8406-4D48-941B-181CE6B597F6}"/>
               </a:ext>
             </a:extLst>
           </p:cNvPr>
-          <p:cNvCxnSpPr>
-            <a:cxnSpLocks/>
-            <a:endCxn id="8" idx="1"/>
-          </p:cNvCxnSpPr>
+          <p:cNvSpPr/>
           <p:nvPr/>
-        </p:nvCxnSpPr>
+        </p:nvSpPr>
         <p:spPr>
           <a:xfrm>
-            <a:off x="6208277" y="1534213"/>
-            <a:ext cx="662287" cy="0"/>
+            <a:off x="3351407" y="4378146"/>
+            <a:ext cx="685800" cy="685800"/>
           </a:xfrm>
-          <a:prstGeom prst="straightConnector1">
+          <a:prstGeom prst="rect">
             <a:avLst/>
           </a:prstGeom>
-          <a:ln>
-            <a:tailEnd type="triangle"/>
-          </a:ln>
         </p:spPr>
         <p:style>
-          <a:lnRef idx="1">
-            <a:schemeClr val="accent1"/>
+          <a:lnRef idx="2">
+            <a:schemeClr val="accent1">
+              <a:shade val="50000"/>
+            </a:schemeClr>
           </a:lnRef>
-          <a:fillRef idx="0">
+          <a:fillRef idx="1">
             <a:schemeClr val="accent1"/>
           </a:fillRef>
           <a:effectRef idx="0">
             <a:schemeClr val="accent1"/>
           </a:effectRef>
           <a:fontRef idx="minor">
-            <a:schemeClr val="tx1"/>
+            <a:schemeClr val="lt1"/>
           </a:fontRef>
         </p:style>
-      </p:cxnSp>
-      <p:cxnSp>
-        <p:nvCxnSpPr>
-          <p:cNvPr id="15" name="Straight Arrow Connector 14">
+        <p:txBody>
+          <a:bodyPr rtlCol="0" anchor="ctr"/>
+          <a:lstStyle/>
+          <a:p>
+            <a:pPr algn="ctr"/>
+            <a:r>
+              <a:rPr lang="en-IN" sz="900" dirty="0"/>
+              <a:t>Test I/P</a:t>
+            </a:r>
+          </a:p>
+        </p:txBody>
+      </p:sp>
+      <p:sp>
+        <p:nvSpPr>
+          <p:cNvPr id="53" name="TextBox 52">
             <a:extLst>
               <a:ext uri="{FF2B5EF4-FFF2-40B4-BE49-F238E27FC236}">
-                <a16:creationId xmlns:a16="http://schemas.microsoft.com/office/drawing/2014/main" id="{4CF6CCFB-27C9-4DEF-A50F-65BE9EFD4493}"/>
+                <a16:creationId xmlns:a16="http://schemas.microsoft.com/office/drawing/2014/main" id="{F23DC0D3-8890-4F8F-8B91-BE4C49E1C71B}"/>
               </a:ext>
             </a:extLst>
           </p:cNvPr>
-          <p:cNvCxnSpPr>
-            <a:cxnSpLocks/>
-            <a:stCxn id="8" idx="2"/>
-            <a:endCxn id="9" idx="0"/>
-          </p:cNvCxnSpPr>
+          <p:cNvSpPr txBox="1"/>
           <p:nvPr/>
-        </p:nvCxnSpPr>
+        </p:nvSpPr>
         <p:spPr>
           <a:xfrm>
-            <a:off x="7595050" y="1984379"/>
-            <a:ext cx="0" cy="818376"/>
+            <a:off x="5724938" y="3394555"/>
+            <a:ext cx="357809" cy="230832"/>
           </a:xfrm>
-          <a:prstGeom prst="straightConnector1">
+          <a:prstGeom prst="rect">
             <a:avLst/>
           </a:prstGeom>
-          <a:ln>
-            <a:tailEnd type="triangle"/>
-          </a:ln>
+          <a:noFill/>
+        </p:spPr>
+        <p:txBody>
+          <a:bodyPr wrap="square" rtlCol="0">
+            <a:spAutoFit/>
+          </a:bodyPr>
+          <a:lstStyle/>
+          <a:p>
+            <a:r>
+              <a:rPr lang="en-IN" sz="900" dirty="0"/>
+              <a:t>4</a:t>
+            </a:r>
+          </a:p>
+        </p:txBody>
+      </p:sp>
+      <p:sp>
+        <p:nvSpPr>
+          <p:cNvPr id="55" name="Arrow: Left 54">
+            <a:extLst>
+              <a:ext uri="{FF2B5EF4-FFF2-40B4-BE49-F238E27FC236}">
+                <a16:creationId xmlns:a16="http://schemas.microsoft.com/office/drawing/2014/main" id="{E2CEF095-0A35-4006-A39C-4386D0282CF6}"/>
+              </a:ext>
+            </a:extLst>
+          </p:cNvPr>
+          <p:cNvSpPr/>
+          <p:nvPr/>
+        </p:nvSpPr>
+        <p:spPr>
+          <a:xfrm>
+            <a:off x="4025151" y="3624820"/>
+            <a:ext cx="556988" cy="203072"/>
+          </a:xfrm>
+          <a:prstGeom prst="leftArrow">
+            <a:avLst/>
+          </a:prstGeom>
         </p:spPr>
         <p:style>
-          <a:lnRef idx="1">
-            <a:schemeClr val="accent1"/>
+          <a:lnRef idx="2">
+            <a:schemeClr val="accent1">
+              <a:shade val="50000"/>
+            </a:schemeClr>
           </a:lnRef>
-          <a:fillRef idx="0">
+          <a:fillRef idx="1">
             <a:schemeClr val="accent1"/>
           </a:fillRef>
           <a:effectRef idx="0">
             <a:schemeClr val="accent1"/>
           </a:effectRef>
           <a:fontRef idx="minor">
-            <a:schemeClr val="tx1"/>
+            <a:schemeClr val="lt1"/>
           </a:fontRef>
         </p:style>
-      </p:cxnSp>
-      <p:cxnSp>
-        <p:nvCxnSpPr>
-          <p:cNvPr id="16" name="Straight Arrow Connector 15">
+        <p:txBody>
+          <a:bodyPr rtlCol="0" anchor="ctr"/>
+          <a:lstStyle/>
+          <a:p>
+            <a:pPr algn="ctr"/>
+            <a:endParaRPr lang="en-IN" sz="900"/>
+          </a:p>
+        </p:txBody>
+      </p:sp>
+      <p:sp>
+        <p:nvSpPr>
+          <p:cNvPr id="58" name="Arrow: Up 57">
             <a:extLst>
               <a:ext uri="{FF2B5EF4-FFF2-40B4-BE49-F238E27FC236}">
-                <a16:creationId xmlns:a16="http://schemas.microsoft.com/office/drawing/2014/main" id="{E90A4737-A0BA-4BA7-AD6B-B8572E8E69BE}"/>
+                <a16:creationId xmlns:a16="http://schemas.microsoft.com/office/drawing/2014/main" id="{C4BF0A73-65B5-46C3-BD0A-C23BCFF27BBD}"/>
               </a:ext>
             </a:extLst>
           </p:cNvPr>
-          <p:cNvCxnSpPr>
-            <a:cxnSpLocks/>
-            <a:stCxn id="9" idx="1"/>
-            <a:endCxn id="10" idx="3"/>
-          </p:cNvCxnSpPr>
+          <p:cNvSpPr/>
           <p:nvPr/>
-        </p:nvCxnSpPr>
+        </p:nvSpPr>
         <p:spPr>
-          <a:xfrm flipH="1">
-            <a:off x="6010542" y="3252921"/>
-            <a:ext cx="860022" cy="0"/>
+          <a:xfrm>
+            <a:off x="3686175" y="4104891"/>
+            <a:ext cx="123825" cy="273255"/>
           </a:xfrm>
-          <a:prstGeom prst="straightConnector1">
+          <a:prstGeom prst="upArrow">
             <a:avLst/>
           </a:prstGeom>
-          <a:ln>
-            <a:tailEnd type="triangle"/>
-          </a:ln>
         </p:spPr>
         <p:style>
-          <a:lnRef idx="1">
-            <a:schemeClr val="accent1"/>
+          <a:lnRef idx="2">
+            <a:schemeClr val="accent1">
+              <a:shade val="50000"/>
+            </a:schemeClr>
           </a:lnRef>
-          <a:fillRef idx="0">
+          <a:fillRef idx="1">
             <a:schemeClr val="accent1"/>
           </a:fillRef>
           <a:effectRef idx="0">
             <a:schemeClr val="accent1"/>
           </a:effectRef>
           <a:fontRef idx="minor">
-            <a:schemeClr val="tx1"/>
+            <a:schemeClr val="lt1"/>
           </a:fontRef>
         </p:style>
-      </p:cxnSp>
+        <p:txBody>
+          <a:bodyPr rtlCol="0" anchor="ctr"/>
+          <a:lstStyle/>
+          <a:p>
+            <a:pPr algn="ctr"/>
+            <a:endParaRPr lang="en-IN" sz="900"/>
+          </a:p>
+        </p:txBody>
+      </p:sp>
+      <p:sp>
+        <p:nvSpPr>
+          <p:cNvPr id="59" name="Rectangle 58">
+            <a:extLst>
+              <a:ext uri="{FF2B5EF4-FFF2-40B4-BE49-F238E27FC236}">
+                <a16:creationId xmlns:a16="http://schemas.microsoft.com/office/drawing/2014/main" id="{FC66EB2B-D423-4607-932B-74C1D988F593}"/>
+              </a:ext>
+            </a:extLst>
+          </p:cNvPr>
+          <p:cNvSpPr/>
+          <p:nvPr/>
+        </p:nvSpPr>
+        <p:spPr>
+          <a:xfrm>
+            <a:off x="1766919" y="3452243"/>
+            <a:ext cx="964097" cy="685800"/>
+          </a:xfrm>
+          <a:prstGeom prst="rect">
+            <a:avLst/>
+          </a:prstGeom>
+        </p:spPr>
+        <p:style>
+          <a:lnRef idx="2">
+            <a:schemeClr val="accent1">
+              <a:shade val="50000"/>
+            </a:schemeClr>
+          </a:lnRef>
+          <a:fillRef idx="1">
+            <a:schemeClr val="accent1"/>
+          </a:fillRef>
+          <a:effectRef idx="0">
+            <a:schemeClr val="accent1"/>
+          </a:effectRef>
+          <a:fontRef idx="minor">
+            <a:schemeClr val="lt1"/>
+          </a:fontRef>
+        </p:style>
+        <p:txBody>
+          <a:bodyPr rtlCol="0" anchor="ctr"/>
+          <a:lstStyle/>
+          <a:p>
+            <a:pPr algn="ctr"/>
+            <a:r>
+              <a:rPr lang="en-IN" sz="900" dirty="0"/>
+              <a:t>Predicted Score </a:t>
+            </a:r>
+          </a:p>
+        </p:txBody>
+      </p:sp>
+      <p:sp>
+        <p:nvSpPr>
+          <p:cNvPr id="60" name="Arrow: Left 59">
+            <a:extLst>
+              <a:ext uri="{FF2B5EF4-FFF2-40B4-BE49-F238E27FC236}">
+                <a16:creationId xmlns:a16="http://schemas.microsoft.com/office/drawing/2014/main" id="{53CA5719-53CD-49F6-A79B-8FE149FE63D5}"/>
+              </a:ext>
+            </a:extLst>
+          </p:cNvPr>
+          <p:cNvSpPr/>
+          <p:nvPr/>
+        </p:nvSpPr>
+        <p:spPr>
+          <a:xfrm>
+            <a:off x="2731016" y="3671554"/>
+            <a:ext cx="536713" cy="156338"/>
+          </a:xfrm>
+          <a:prstGeom prst="leftArrow">
+            <a:avLst/>
+          </a:prstGeom>
+        </p:spPr>
+        <p:style>
+          <a:lnRef idx="2">
+            <a:schemeClr val="accent1">
+              <a:shade val="50000"/>
+            </a:schemeClr>
+          </a:lnRef>
+          <a:fillRef idx="1">
+            <a:schemeClr val="accent1"/>
+          </a:fillRef>
+          <a:effectRef idx="0">
+            <a:schemeClr val="accent1"/>
+          </a:effectRef>
+          <a:fontRef idx="minor">
+            <a:schemeClr val="lt1"/>
+          </a:fontRef>
+        </p:style>
+        <p:txBody>
+          <a:bodyPr rtlCol="0" anchor="ctr"/>
+          <a:lstStyle/>
+          <a:p>
+            <a:pPr algn="ctr"/>
+            <a:endParaRPr lang="en-IN" sz="900"/>
+          </a:p>
+        </p:txBody>
+      </p:sp>
     </p:spTree>
     <p:extLst>
       <p:ext uri="{BB962C8B-B14F-4D97-AF65-F5344CB8AC3E}">
-        <p14:creationId xmlns:p14="http://schemas.microsoft.com/office/powerpoint/2010/main" val="2442003819"/>
+        <p14:creationId xmlns:p14="http://schemas.microsoft.com/office/powerpoint/2010/main" val="1471177325"/>
       </p:ext>
     </p:extLst>
   </p:cSld>
@@ -35947,6 +36875,12 @@
 </file>
 
 <file path=customXml/item1.xml><?xml version="1.0" encoding="utf-8"?>
+<p:properties xmlns:p="http://schemas.microsoft.com/office/2006/metadata/properties" xmlns:xsi="http://www.w3.org/2001/XMLSchema-instance">
+  <documentManagement/>
+</p:properties>
+</file>
+
+<file path=customXml/item2.xml><?xml version="1.0" encoding="utf-8"?>
 <ct:contentTypeSchema xmlns:ct="http://schemas.microsoft.com/office/2006/metadata/contentType" xmlns:ma="http://schemas.microsoft.com/office/2006/metadata/properties/metaAttributes" ct:_="" ma:_="" ma:contentTypeName="Document" ma:contentTypeID="0x0101007E41CE99FAF93E43A9D55D5A970C5896" ma:contentTypeVersion="2" ma:contentTypeDescription="Create a new document." ma:contentTypeScope="" ma:versionID="ae30c1856a3cfe05497c58b7eb8972a5">
   <xsd:schema xmlns:xsd="http://www.w3.org/2001/XMLSchema" xmlns:xs="http://www.w3.org/2001/XMLSchema" xmlns:p="http://schemas.microsoft.com/office/2006/metadata/properties" xmlns:ns2="59adf32a-ef96-4ec2-94c8-876cf435d4ef" targetNamespace="http://schemas.microsoft.com/office/2006/metadata/properties" ma:root="true" ma:fieldsID="cee035c1f458a1f4886de6f247fb42e8" ns2:_="">
     <xsd:import namespace="59adf32a-ef96-4ec2-94c8-876cf435d4ef"/>
@@ -36078,12 +37012,6 @@
 </ct:contentTypeSchema>
 </file>
 
-<file path=customXml/item2.xml><?xml version="1.0" encoding="utf-8"?>
-<p:properties xmlns:p="http://schemas.microsoft.com/office/2006/metadata/properties" xmlns:xsi="http://www.w3.org/2001/XMLSchema-instance">
-  <documentManagement/>
-</p:properties>
-</file>
-
 <file path=customXml/item3.xml><?xml version="1.0" encoding="utf-8"?>
 <?mso-contentType ?>
 <FormTemplates xmlns="http://schemas.microsoft.com/sharepoint/v3/contenttype/forms">
@@ -36094,6 +37022,22 @@
 </file>
 
 <file path=customXml/itemProps1.xml><?xml version="1.0" encoding="utf-8"?>
+<ds:datastoreItem xmlns:ds="http://schemas.openxmlformats.org/officeDocument/2006/customXml" ds:itemID="{24559248-63FA-4C6E-A37D-96FF4426E5C5}">
+  <ds:schemaRefs>
+    <ds:schemaRef ds:uri="http://schemas.microsoft.com/office/2006/documentManagement/types"/>
+    <ds:schemaRef ds:uri="http://purl.org/dc/dcmitype/"/>
+    <ds:schemaRef ds:uri="http://schemas.microsoft.com/office/2006/metadata/properties"/>
+    <ds:schemaRef ds:uri="http://purl.org/dc/elements/1.1/"/>
+    <ds:schemaRef ds:uri="http://purl.org/dc/terms/"/>
+    <ds:schemaRef ds:uri="http://schemas.openxmlformats.org/package/2006/metadata/core-properties"/>
+    <ds:schemaRef ds:uri="http://schemas.microsoft.com/office/infopath/2007/PartnerControls"/>
+    <ds:schemaRef ds:uri="59adf32a-ef96-4ec2-94c8-876cf435d4ef"/>
+    <ds:schemaRef ds:uri="http://www.w3.org/XML/1998/namespace"/>
+  </ds:schemaRefs>
+</ds:datastoreItem>
+</file>
+
+<file path=customXml/itemProps2.xml><?xml version="1.0" encoding="utf-8"?>
 <ds:datastoreItem xmlns:ds="http://schemas.openxmlformats.org/officeDocument/2006/customXml" ds:itemID="{60C53222-73F9-443A-86D8-293AD41C2606}">
   <ds:schemaRefs>
     <ds:schemaRef ds:uri="http://schemas.microsoft.com/office/2006/metadata/contentType"/>
@@ -36111,22 +37055,6 @@
 </ds:datastoreItem>
 </file>
 
-<file path=customXml/itemProps2.xml><?xml version="1.0" encoding="utf-8"?>
-<ds:datastoreItem xmlns:ds="http://schemas.openxmlformats.org/officeDocument/2006/customXml" ds:itemID="{24559248-63FA-4C6E-A37D-96FF4426E5C5}">
-  <ds:schemaRefs>
-    <ds:schemaRef ds:uri="http://schemas.microsoft.com/office/2006/documentManagement/types"/>
-    <ds:schemaRef ds:uri="http://purl.org/dc/dcmitype/"/>
-    <ds:schemaRef ds:uri="http://schemas.microsoft.com/office/2006/metadata/properties"/>
-    <ds:schemaRef ds:uri="http://purl.org/dc/elements/1.1/"/>
-    <ds:schemaRef ds:uri="http://purl.org/dc/terms/"/>
-    <ds:schemaRef ds:uri="http://schemas.openxmlformats.org/package/2006/metadata/core-properties"/>
-    <ds:schemaRef ds:uri="http://schemas.microsoft.com/office/infopath/2007/PartnerControls"/>
-    <ds:schemaRef ds:uri="59adf32a-ef96-4ec2-94c8-876cf435d4ef"/>
-    <ds:schemaRef ds:uri="http://www.w3.org/XML/1998/namespace"/>
-  </ds:schemaRefs>
-</ds:datastoreItem>
-</file>
-
 <file path=customXml/itemProps3.xml><?xml version="1.0" encoding="utf-8"?>
 <ds:datastoreItem xmlns:ds="http://schemas.openxmlformats.org/officeDocument/2006/customXml" ds:itemID="{8ABB6DC8-0142-4676-96FE-F1693BA95046}">
   <ds:schemaRefs>
